--- a/git.pptx
+++ b/git.pptx
@@ -5,7 +5,7 @@
     <p:sldMasterId id="2147483648" r:id="rId1"/>
   </p:sldMasterIdLst>
   <p:notesMasterIdLst>
-    <p:notesMasterId r:id="rId16"/>
+    <p:notesMasterId r:id="rId17"/>
   </p:notesMasterIdLst>
   <p:sldIdLst>
     <p:sldId id="256" r:id="rId2"/>
@@ -15,13 +15,14 @@
     <p:sldId id="270" r:id="rId6"/>
     <p:sldId id="259" r:id="rId7"/>
     <p:sldId id="260" r:id="rId8"/>
-    <p:sldId id="262" r:id="rId9"/>
-    <p:sldId id="261" r:id="rId10"/>
-    <p:sldId id="267" r:id="rId11"/>
-    <p:sldId id="264" r:id="rId12"/>
-    <p:sldId id="269" r:id="rId13"/>
-    <p:sldId id="266" r:id="rId14"/>
-    <p:sldId id="272" r:id="rId15"/>
+    <p:sldId id="273" r:id="rId9"/>
+    <p:sldId id="262" r:id="rId10"/>
+    <p:sldId id="261" r:id="rId11"/>
+    <p:sldId id="267" r:id="rId12"/>
+    <p:sldId id="264" r:id="rId13"/>
+    <p:sldId id="269" r:id="rId14"/>
+    <p:sldId id="266" r:id="rId15"/>
+    <p:sldId id="272" r:id="rId16"/>
   </p:sldIdLst>
   <p:sldSz cx="12192000" cy="6858000"/>
   <p:notesSz cx="6858000" cy="9144000"/>
@@ -1051,7 +1052,7 @@
           <a:p>
             <a:fld id="{0DB4DFF7-1581-4E3B-BF7C-6E7C7A791C1B}" type="slidenum">
               <a:rPr lang="nb-NO" smtClean="0"/>
-              <a:t>8</a:t>
+              <a:t>9</a:t>
             </a:fld>
             <a:endParaRPr lang="nb-NO"/>
           </a:p>
@@ -1288,7 +1289,7 @@
           <a:p>
             <a:fld id="{0DB4DFF7-1581-4E3B-BF7C-6E7C7A791C1B}" type="slidenum">
               <a:rPr lang="nb-NO" smtClean="0"/>
-              <a:t>9</a:t>
+              <a:t>10</a:t>
             </a:fld>
             <a:endParaRPr lang="nb-NO"/>
           </a:p>
@@ -1469,7 +1470,7 @@
           <a:p>
             <a:fld id="{0DB4DFF7-1581-4E3B-BF7C-6E7C7A791C1B}" type="slidenum">
               <a:rPr lang="nb-NO" smtClean="0"/>
-              <a:t>10</a:t>
+              <a:t>11</a:t>
             </a:fld>
             <a:endParaRPr lang="nb-NO"/>
           </a:p>
@@ -1617,7 +1618,7 @@
           <a:p>
             <a:fld id="{0DB4DFF7-1581-4E3B-BF7C-6E7C7A791C1B}" type="slidenum">
               <a:rPr lang="nb-NO" smtClean="0"/>
-              <a:t>11</a:t>
+              <a:t>12</a:t>
             </a:fld>
             <a:endParaRPr lang="nb-NO"/>
           </a:p>
@@ -1806,7 +1807,7 @@
           <a:p>
             <a:fld id="{0DB4DFF7-1581-4E3B-BF7C-6E7C7A791C1B}" type="slidenum">
               <a:rPr lang="nb-NO" smtClean="0"/>
-              <a:t>12</a:t>
+              <a:t>13</a:t>
             </a:fld>
             <a:endParaRPr lang="nb-NO"/>
           </a:p>
@@ -7507,6 +7508,150 @@
           <p:cNvPr id="2" name="Title 1">
             <a:extLst>
               <a:ext uri="{FF2B5EF4-FFF2-40B4-BE49-F238E27FC236}">
+                <a16:creationId xmlns:a16="http://schemas.microsoft.com/office/drawing/2014/main" id="{A31E238B-79DC-46FC-874A-ABD829766AFC}"/>
+              </a:ext>
+            </a:extLst>
+          </p:cNvPr>
+          <p:cNvSpPr>
+            <a:spLocks noGrp="1"/>
+          </p:cNvSpPr>
+          <p:nvPr>
+            <p:ph type="title"/>
+          </p:nvPr>
+        </p:nvSpPr>
+        <p:spPr/>
+        <p:txBody>
+          <a:bodyPr/>
+          <a:lstStyle/>
+          <a:p>
+            <a:r>
+              <a:rPr lang="nb-NO" dirty="0"/>
+              <a:t>Git-Hosting</a:t>
+            </a:r>
+          </a:p>
+        </p:txBody>
+      </p:sp>
+      <p:sp>
+        <p:nvSpPr>
+          <p:cNvPr id="3" name="Content Placeholder 2">
+            <a:extLst>
+              <a:ext uri="{FF2B5EF4-FFF2-40B4-BE49-F238E27FC236}">
+                <a16:creationId xmlns:a16="http://schemas.microsoft.com/office/drawing/2014/main" id="{67570771-BA8F-449C-9729-AB92FB705E57}"/>
+              </a:ext>
+            </a:extLst>
+          </p:cNvPr>
+          <p:cNvSpPr>
+            <a:spLocks noGrp="1"/>
+          </p:cNvSpPr>
+          <p:nvPr>
+            <p:ph idx="1"/>
+          </p:nvPr>
+        </p:nvSpPr>
+        <p:spPr>
+          <a:xfrm>
+            <a:off x="1141413" y="2666999"/>
+            <a:ext cx="9905998" cy="3124201"/>
+          </a:xfrm>
+        </p:spPr>
+        <p:txBody>
+          <a:bodyPr>
+            <a:normAutofit fontScale="85000" lnSpcReduction="20000"/>
+          </a:bodyPr>
+          <a:lstStyle/>
+          <a:p>
+            <a:r>
+              <a:rPr lang="nb-NO" dirty="0"/>
+              <a:t>GitHub</a:t>
+            </a:r>
+          </a:p>
+          <a:p>
+            <a:r>
+              <a:rPr lang="nb-NO" dirty="0"/>
+              <a:t>GitLab</a:t>
+            </a:r>
+          </a:p>
+          <a:p>
+            <a:r>
+              <a:rPr lang="nb-NO" dirty="0"/>
+              <a:t>BitBucket</a:t>
+            </a:r>
+          </a:p>
+          <a:p>
+            <a:r>
+              <a:rPr lang="nb-NO" dirty="0"/>
+              <a:t>VSTS (Azure DevOps)</a:t>
+            </a:r>
+          </a:p>
+          <a:p>
+            <a:endParaRPr lang="nb-NO" dirty="0"/>
+          </a:p>
+          <a:p>
+            <a:r>
+              <a:rPr lang="nb-NO" dirty="0"/>
+              <a:t>SaaS eller Enterprise-installasjon på egne servere</a:t>
+            </a:r>
+          </a:p>
+          <a:p>
+            <a:endParaRPr lang="nb-NO" dirty="0"/>
+          </a:p>
+          <a:p>
+            <a:r>
+              <a:rPr lang="nb-NO" dirty="0"/>
+              <a:t>CI – </a:t>
+            </a:r>
+            <a:r>
+              <a:rPr lang="nb-NO" dirty="0" err="1"/>
+              <a:t>Continuous</a:t>
+            </a:r>
+            <a:r>
+              <a:rPr lang="nb-NO" dirty="0"/>
+              <a:t> Integration</a:t>
+            </a:r>
+          </a:p>
+          <a:p>
+            <a:pPr lvl="1"/>
+            <a:r>
+              <a:rPr lang="nb-NO" dirty="0"/>
+              <a:t>De fleste tjenestene har også støtte for automatisk bygging, testing og publisering av prosjekter</a:t>
+            </a:r>
+          </a:p>
+        </p:txBody>
+      </p:sp>
+    </p:spTree>
+    <p:extLst>
+      <p:ext uri="{BB962C8B-B14F-4D97-AF65-F5344CB8AC3E}">
+        <p14:creationId xmlns:p14="http://schemas.microsoft.com/office/powerpoint/2010/main" val="3840197391"/>
+      </p:ext>
+    </p:extLst>
+  </p:cSld>
+  <p:clrMapOvr>
+    <a:masterClrMapping/>
+  </p:clrMapOvr>
+</p:sld>
+</file>
+
+<file path=ppt/slides/slide11.xml><?xml version="1.0" encoding="utf-8"?>
+<p:sld xmlns:a="http://schemas.openxmlformats.org/drawingml/2006/main" xmlns:r="http://schemas.openxmlformats.org/officeDocument/2006/relationships" xmlns:p="http://schemas.openxmlformats.org/presentationml/2006/main">
+  <p:cSld>
+    <p:spTree>
+      <p:nvGrpSpPr>
+        <p:cNvPr id="1" name=""/>
+        <p:cNvGrpSpPr/>
+        <p:nvPr/>
+      </p:nvGrpSpPr>
+      <p:grpSpPr>
+        <a:xfrm>
+          <a:off x="0" y="0"/>
+          <a:ext cx="0" cy="0"/>
+          <a:chOff x="0" y="0"/>
+          <a:chExt cx="0" cy="0"/>
+        </a:xfrm>
+      </p:grpSpPr>
+      <p:sp>
+        <p:nvSpPr>
+          <p:cNvPr id="2" name="Title 1">
+            <a:extLst>
+              <a:ext uri="{FF2B5EF4-FFF2-40B4-BE49-F238E27FC236}">
                 <a16:creationId xmlns:a16="http://schemas.microsoft.com/office/drawing/2014/main" id="{F62250A5-D101-497F-8F98-D54D6E19F029}"/>
               </a:ext>
             </a:extLst>
@@ -7612,7 +7757,7 @@
 </p:sld>
 </file>
 
-<file path=ppt/slides/slide11.xml><?xml version="1.0" encoding="utf-8"?>
+<file path=ppt/slides/slide12.xml><?xml version="1.0" encoding="utf-8"?>
 <p:sld xmlns:a="http://schemas.openxmlformats.org/drawingml/2006/main" xmlns:r="http://schemas.openxmlformats.org/officeDocument/2006/relationships" xmlns:p="http://schemas.openxmlformats.org/presentationml/2006/main">
   <p:cSld>
     <p:spTree>
@@ -7754,7 +7899,7 @@
 </p:sld>
 </file>
 
-<file path=ppt/slides/slide12.xml><?xml version="1.0" encoding="utf-8"?>
+<file path=ppt/slides/slide13.xml><?xml version="1.0" encoding="utf-8"?>
 <p:sld xmlns:a="http://schemas.openxmlformats.org/drawingml/2006/main" xmlns:r="http://schemas.openxmlformats.org/officeDocument/2006/relationships" xmlns:p="http://schemas.openxmlformats.org/presentationml/2006/main">
   <p:cSld>
     <p:spTree>
@@ -7908,136 +8053,6 @@
 </p:sld>
 </file>
 
-<file path=ppt/slides/slide13.xml><?xml version="1.0" encoding="utf-8"?>
-<p:sld xmlns:a="http://schemas.openxmlformats.org/drawingml/2006/main" xmlns:r="http://schemas.openxmlformats.org/officeDocument/2006/relationships" xmlns:p="http://schemas.openxmlformats.org/presentationml/2006/main">
-  <p:cSld>
-    <p:spTree>
-      <p:nvGrpSpPr>
-        <p:cNvPr id="1" name=""/>
-        <p:cNvGrpSpPr/>
-        <p:nvPr/>
-      </p:nvGrpSpPr>
-      <p:grpSpPr>
-        <a:xfrm>
-          <a:off x="0" y="0"/>
-          <a:ext cx="0" cy="0"/>
-          <a:chOff x="0" y="0"/>
-          <a:chExt cx="0" cy="0"/>
-        </a:xfrm>
-      </p:grpSpPr>
-      <p:sp>
-        <p:nvSpPr>
-          <p:cNvPr id="2" name="Title 1">
-            <a:extLst>
-              <a:ext uri="{FF2B5EF4-FFF2-40B4-BE49-F238E27FC236}">
-                <a16:creationId xmlns:a16="http://schemas.microsoft.com/office/drawing/2014/main" id="{26A92845-865D-4EDA-87F6-3AACC01CD80A}"/>
-              </a:ext>
-            </a:extLst>
-          </p:cNvPr>
-          <p:cNvSpPr>
-            <a:spLocks noGrp="1"/>
-          </p:cNvSpPr>
-          <p:nvPr>
-            <p:ph type="title"/>
-          </p:nvPr>
-        </p:nvSpPr>
-        <p:spPr/>
-        <p:txBody>
-          <a:bodyPr/>
-          <a:lstStyle/>
-          <a:p>
-            <a:r>
-              <a:rPr lang="nb-NO" dirty="0"/>
-              <a:t>Oppsummering</a:t>
-            </a:r>
-          </a:p>
-        </p:txBody>
-      </p:sp>
-      <p:sp>
-        <p:nvSpPr>
-          <p:cNvPr id="3" name="Content Placeholder 2">
-            <a:extLst>
-              <a:ext uri="{FF2B5EF4-FFF2-40B4-BE49-F238E27FC236}">
-                <a16:creationId xmlns:a16="http://schemas.microsoft.com/office/drawing/2014/main" id="{94CAC104-0DEE-4986-BD43-E10D0915B4DF}"/>
-              </a:ext>
-            </a:extLst>
-          </p:cNvPr>
-          <p:cNvSpPr>
-            <a:spLocks noGrp="1"/>
-          </p:cNvSpPr>
-          <p:nvPr>
-            <p:ph idx="1"/>
-          </p:nvPr>
-        </p:nvSpPr>
-        <p:spPr/>
-        <p:txBody>
-          <a:bodyPr/>
-          <a:lstStyle/>
-          <a:p>
-            <a:r>
-              <a:rPr lang="nb-NO" dirty="0"/>
-              <a:t>Git != GitHub</a:t>
-            </a:r>
-          </a:p>
-          <a:p>
-            <a:r>
-              <a:rPr lang="nb-NO" dirty="0"/>
-              <a:t>Git har veldig bred støtte på tvers av verktøy og plattformer</a:t>
-            </a:r>
-          </a:p>
-          <a:p>
-            <a:r>
-              <a:rPr lang="nb-NO" dirty="0"/>
-              <a:t>Mange andre verktøy/tjenester har integrasjoner mot gi</a:t>
-            </a:r>
-          </a:p>
-          <a:p>
-            <a:r>
-              <a:rPr lang="nb-NO" dirty="0"/>
-              <a:t>Git kan brukes for mer enn bare kode</a:t>
-            </a:r>
-          </a:p>
-          <a:p>
-            <a:r>
-              <a:rPr lang="nb-NO" dirty="0"/>
-              <a:t>Git er ikke (så) skummelt</a:t>
-            </a:r>
-          </a:p>
-          <a:p>
-            <a:r>
-              <a:rPr lang="nb-NO" dirty="0"/>
-              <a:t>Microsoft omfavner Git</a:t>
-            </a:r>
-          </a:p>
-          <a:p>
-            <a:r>
-              <a:rPr lang="nb-NO" dirty="0"/>
-              <a:t>Git er utviklernes favoritt (kilde: </a:t>
-            </a:r>
-            <a:r>
-              <a:rPr lang="nb-NO" dirty="0" err="1"/>
-              <a:t>StackOverflow</a:t>
-            </a:r>
-            <a:r>
-              <a:rPr lang="nb-NO" dirty="0"/>
-              <a:t>, Google Trends)</a:t>
-            </a:r>
-          </a:p>
-        </p:txBody>
-      </p:sp>
-    </p:spTree>
-    <p:extLst>
-      <p:ext uri="{BB962C8B-B14F-4D97-AF65-F5344CB8AC3E}">
-        <p14:creationId xmlns:p14="http://schemas.microsoft.com/office/powerpoint/2010/main" val="4031235901"/>
-      </p:ext>
-    </p:extLst>
-  </p:cSld>
-  <p:clrMapOvr>
-    <a:masterClrMapping/>
-  </p:clrMapOvr>
-</p:sld>
-</file>
-
 <file path=ppt/slides/slide14.xml><?xml version="1.0" encoding="utf-8"?>
 <p:sld xmlns:a="http://schemas.openxmlformats.org/drawingml/2006/main" xmlns:r="http://schemas.openxmlformats.org/officeDocument/2006/relationships" xmlns:p="http://schemas.openxmlformats.org/presentationml/2006/main">
   <p:cSld>
@@ -8060,6 +8075,136 @@
           <p:cNvPr id="2" name="Title 1">
             <a:extLst>
               <a:ext uri="{FF2B5EF4-FFF2-40B4-BE49-F238E27FC236}">
+                <a16:creationId xmlns:a16="http://schemas.microsoft.com/office/drawing/2014/main" id="{26A92845-865D-4EDA-87F6-3AACC01CD80A}"/>
+              </a:ext>
+            </a:extLst>
+          </p:cNvPr>
+          <p:cNvSpPr>
+            <a:spLocks noGrp="1"/>
+          </p:cNvSpPr>
+          <p:nvPr>
+            <p:ph type="title"/>
+          </p:nvPr>
+        </p:nvSpPr>
+        <p:spPr/>
+        <p:txBody>
+          <a:bodyPr/>
+          <a:lstStyle/>
+          <a:p>
+            <a:r>
+              <a:rPr lang="nb-NO" dirty="0"/>
+              <a:t>Oppsummering</a:t>
+            </a:r>
+          </a:p>
+        </p:txBody>
+      </p:sp>
+      <p:sp>
+        <p:nvSpPr>
+          <p:cNvPr id="3" name="Content Placeholder 2">
+            <a:extLst>
+              <a:ext uri="{FF2B5EF4-FFF2-40B4-BE49-F238E27FC236}">
+                <a16:creationId xmlns:a16="http://schemas.microsoft.com/office/drawing/2014/main" id="{94CAC104-0DEE-4986-BD43-E10D0915B4DF}"/>
+              </a:ext>
+            </a:extLst>
+          </p:cNvPr>
+          <p:cNvSpPr>
+            <a:spLocks noGrp="1"/>
+          </p:cNvSpPr>
+          <p:nvPr>
+            <p:ph idx="1"/>
+          </p:nvPr>
+        </p:nvSpPr>
+        <p:spPr/>
+        <p:txBody>
+          <a:bodyPr/>
+          <a:lstStyle/>
+          <a:p>
+            <a:r>
+              <a:rPr lang="nb-NO" dirty="0"/>
+              <a:t>Git != GitHub</a:t>
+            </a:r>
+          </a:p>
+          <a:p>
+            <a:r>
+              <a:rPr lang="nb-NO" dirty="0"/>
+              <a:t>Git har veldig bred støtte på tvers av verktøy og plattformer</a:t>
+            </a:r>
+          </a:p>
+          <a:p>
+            <a:r>
+              <a:rPr lang="nb-NO" dirty="0"/>
+              <a:t>Mange andre verktøy/tjenester har integrasjoner mot gi</a:t>
+            </a:r>
+          </a:p>
+          <a:p>
+            <a:r>
+              <a:rPr lang="nb-NO" dirty="0"/>
+              <a:t>Git kan brukes for mer enn bare kode</a:t>
+            </a:r>
+          </a:p>
+          <a:p>
+            <a:r>
+              <a:rPr lang="nb-NO" dirty="0"/>
+              <a:t>Git er ikke (så) skummelt</a:t>
+            </a:r>
+          </a:p>
+          <a:p>
+            <a:r>
+              <a:rPr lang="nb-NO" dirty="0"/>
+              <a:t>Microsoft omfavner Git</a:t>
+            </a:r>
+          </a:p>
+          <a:p>
+            <a:r>
+              <a:rPr lang="nb-NO" dirty="0"/>
+              <a:t>Git er utviklernes favoritt (kilde: </a:t>
+            </a:r>
+            <a:r>
+              <a:rPr lang="nb-NO" dirty="0" err="1"/>
+              <a:t>StackOverflow</a:t>
+            </a:r>
+            <a:r>
+              <a:rPr lang="nb-NO" dirty="0"/>
+              <a:t>, Google Trends)</a:t>
+            </a:r>
+          </a:p>
+        </p:txBody>
+      </p:sp>
+    </p:spTree>
+    <p:extLst>
+      <p:ext uri="{BB962C8B-B14F-4D97-AF65-F5344CB8AC3E}">
+        <p14:creationId xmlns:p14="http://schemas.microsoft.com/office/powerpoint/2010/main" val="4031235901"/>
+      </p:ext>
+    </p:extLst>
+  </p:cSld>
+  <p:clrMapOvr>
+    <a:masterClrMapping/>
+  </p:clrMapOvr>
+</p:sld>
+</file>
+
+<file path=ppt/slides/slide15.xml><?xml version="1.0" encoding="utf-8"?>
+<p:sld xmlns:a="http://schemas.openxmlformats.org/drawingml/2006/main" xmlns:r="http://schemas.openxmlformats.org/officeDocument/2006/relationships" xmlns:p="http://schemas.openxmlformats.org/presentationml/2006/main">
+  <p:cSld>
+    <p:spTree>
+      <p:nvGrpSpPr>
+        <p:cNvPr id="1" name=""/>
+        <p:cNvGrpSpPr/>
+        <p:nvPr/>
+      </p:nvGrpSpPr>
+      <p:grpSpPr>
+        <a:xfrm>
+          <a:off x="0" y="0"/>
+          <a:ext cx="0" cy="0"/>
+          <a:chOff x="0" y="0"/>
+          <a:chExt cx="0" cy="0"/>
+        </a:xfrm>
+      </p:grpSpPr>
+      <p:sp>
+        <p:nvSpPr>
+          <p:cNvPr id="2" name="Title 1">
+            <a:extLst>
+              <a:ext uri="{FF2B5EF4-FFF2-40B4-BE49-F238E27FC236}">
                 <a16:creationId xmlns:a16="http://schemas.microsoft.com/office/drawing/2014/main" id="{76033DE3-794C-4117-9976-C08C0BA68E70}"/>
               </a:ext>
             </a:extLst>
@@ -8141,6 +8286,10 @@
           <a:lstStyle/>
           <a:p>
             <a:r>
+              <a:rPr lang="en-US" dirty="0"/>
+              <a:t>…</a:t>
+            </a:r>
+            <a:r>
               <a:rPr lang="en-US" dirty="0" err="1"/>
               <a:t>og</a:t>
             </a:r>
@@ -8151,26 +8300,26 @@
           </a:p>
           <a:p>
             <a:r>
-              <a:rPr lang="en-US" dirty="0"/>
+              <a:rPr lang="en-US" sz="1200" dirty="0"/>
               <a:t>…</a:t>
             </a:r>
             <a:r>
-              <a:rPr lang="en-US" dirty="0" err="1"/>
+              <a:rPr lang="en-US" sz="1200" dirty="0" err="1"/>
               <a:t>og</a:t>
             </a:r>
             <a:r>
-              <a:rPr lang="en-US" dirty="0"/>
+              <a:rPr lang="en-US" sz="1200" dirty="0"/>
               <a:t> </a:t>
             </a:r>
             <a:r>
-              <a:rPr lang="en-US" dirty="0" err="1"/>
+              <a:rPr lang="en-US" sz="1200" dirty="0" err="1"/>
               <a:t>Informasjonskontroll</a:t>
             </a:r>
             <a:r>
-              <a:rPr lang="en-US" dirty="0"/>
+              <a:rPr lang="en-US" sz="1200" dirty="0"/>
               <a:t>?</a:t>
             </a:r>
-            <a:endParaRPr lang="nb-NO" dirty="0"/>
+            <a:endParaRPr lang="nb-NO" sz="1200" dirty="0"/>
           </a:p>
         </p:txBody>
       </p:sp>
@@ -9088,7 +9237,7 @@
           <p:cNvPr id="2" name="Title 1">
             <a:extLst>
               <a:ext uri="{FF2B5EF4-FFF2-40B4-BE49-F238E27FC236}">
-                <a16:creationId xmlns:a16="http://schemas.microsoft.com/office/drawing/2014/main" id="{FAFD36D3-4DC7-4ED1-96C3-7A2E2F9E194A}"/>
+                <a16:creationId xmlns:a16="http://schemas.microsoft.com/office/drawing/2014/main" id="{CE2CE446-E3F4-4AC2-A97C-10A4EE927E04}"/>
               </a:ext>
             </a:extLst>
           </p:cNvPr>
@@ -9096,7 +9245,7 @@
             <a:spLocks noGrp="1"/>
           </p:cNvSpPr>
           <p:nvPr>
-            <p:ph type="title"/>
+            <p:ph type="ctrTitle"/>
           </p:nvPr>
         </p:nvSpPr>
         <p:spPr/>
@@ -9106,17 +9255,17 @@
           <a:p>
             <a:r>
               <a:rPr lang="nb-NO" dirty="0"/>
-              <a:t>Andre Git-klienter</a:t>
-            </a:r>
-          </a:p>
-        </p:txBody>
-      </p:sp>
-      <p:sp>
-        <p:nvSpPr>
-          <p:cNvPr id="3" name="Content Placeholder 2">
+              <a:t>Visual Studio Demo</a:t>
+            </a:r>
+          </a:p>
+        </p:txBody>
+      </p:sp>
+      <p:sp>
+        <p:nvSpPr>
+          <p:cNvPr id="3" name="Subtitle 2">
             <a:extLst>
               <a:ext uri="{FF2B5EF4-FFF2-40B4-BE49-F238E27FC236}">
-                <a16:creationId xmlns:a16="http://schemas.microsoft.com/office/drawing/2014/main" id="{1A1C14BF-CE39-43FA-9C4F-E4EF7CF63950}"/>
+                <a16:creationId xmlns:a16="http://schemas.microsoft.com/office/drawing/2014/main" id="{04C62E33-5C3D-4CB0-B0AD-DA8CA683D939}"/>
               </a:ext>
             </a:extLst>
           </p:cNvPr>
@@ -9124,109 +9273,22 @@
             <a:spLocks noGrp="1"/>
           </p:cNvSpPr>
           <p:nvPr>
-            <p:ph idx="1"/>
-          </p:nvPr>
-        </p:nvSpPr>
-        <p:spPr>
-          <a:xfrm>
-            <a:off x="1141413" y="2514599"/>
-            <a:ext cx="9905998" cy="4079147"/>
-          </a:xfrm>
-        </p:spPr>
-        <p:txBody>
-          <a:bodyPr>
-            <a:normAutofit fontScale="92500" lnSpcReduction="20000"/>
-          </a:bodyPr>
-          <a:lstStyle/>
-          <a:p>
-            <a:r>
-              <a:rPr lang="nb-NO" dirty="0"/>
-              <a:t>De fleste andre IDE’er har </a:t>
-            </a:r>
-            <a:r>
-              <a:rPr lang="nb-NO" sz="2600" dirty="0"/>
-              <a:t>integrert</a:t>
-            </a:r>
-            <a:r>
-              <a:rPr lang="nb-NO" dirty="0"/>
-              <a:t> støtte for Git</a:t>
-            </a:r>
-          </a:p>
-          <a:p>
-            <a:pPr lvl="1"/>
-            <a:r>
-              <a:rPr lang="nb-NO" dirty="0"/>
-              <a:t>VS Code, VS for Mac, Android Studio, Xcode, Eclipse, IntelliJ-baserte IDE’er</a:t>
-            </a:r>
-          </a:p>
-          <a:p>
-            <a:pPr marL="457200" lvl="1" indent="0">
-              <a:buNone/>
-            </a:pPr>
-            <a:endParaRPr lang="nb-NO" dirty="0"/>
-          </a:p>
-          <a:p>
-            <a:r>
-              <a:rPr lang="nb-NO" dirty="0"/>
-              <a:t>git – offisielt kommandolinjeverktøy (Windows, Mac og Linux)</a:t>
-            </a:r>
-          </a:p>
-          <a:p>
-            <a:r>
-              <a:rPr lang="nb-NO" dirty="0"/>
-              <a:t>git-gui – offisiell GUI-klient (Windows, Mac og Linux)</a:t>
-            </a:r>
-          </a:p>
-          <a:p>
-            <a:pPr marL="0" indent="0">
-              <a:buNone/>
-            </a:pPr>
-            <a:endParaRPr lang="nb-NO" dirty="0"/>
-          </a:p>
-          <a:p>
-            <a:r>
-              <a:rPr lang="nb-NO" dirty="0"/>
-              <a:t>Mange tredjepartsprogrammer med GUI</a:t>
-            </a:r>
-          </a:p>
-          <a:p>
-            <a:pPr lvl="1"/>
-            <a:r>
-              <a:rPr lang="nb-NO" dirty="0"/>
-              <a:t>GitKraken (Windows, Mac, Linux) (ANBEFALES!)</a:t>
-            </a:r>
-          </a:p>
-          <a:p>
-            <a:pPr lvl="1"/>
-            <a:r>
-              <a:rPr lang="nb-NO" dirty="0"/>
-              <a:t>SourceTree (Windows, Mac)</a:t>
-            </a:r>
-          </a:p>
-          <a:p>
-            <a:pPr lvl="1"/>
-            <a:r>
-              <a:rPr lang="nb-NO" dirty="0"/>
-              <a:t>GitHub Desktop (Windows, Mac)</a:t>
-            </a:r>
-          </a:p>
-          <a:p>
-            <a:pPr lvl="1"/>
-            <a:r>
-              <a:rPr lang="nb-NO" dirty="0"/>
-              <a:t>++</a:t>
-            </a:r>
-          </a:p>
-          <a:p>
-            <a:pPr lvl="1"/>
-            <a:endParaRPr lang="nb-NO" dirty="0"/>
+            <p:ph type="subTitle" idx="1"/>
+          </p:nvPr>
+        </p:nvSpPr>
+        <p:spPr/>
+        <p:txBody>
+          <a:bodyPr/>
+          <a:lstStyle/>
+          <a:p>
+            <a:endParaRPr lang="nb-NO"/>
           </a:p>
         </p:txBody>
       </p:sp>
     </p:spTree>
     <p:extLst>
       <p:ext uri="{BB962C8B-B14F-4D97-AF65-F5344CB8AC3E}">
-        <p14:creationId xmlns:p14="http://schemas.microsoft.com/office/powerpoint/2010/main" val="3041288103"/>
+        <p14:creationId xmlns:p14="http://schemas.microsoft.com/office/powerpoint/2010/main" val="3832756231"/>
       </p:ext>
     </p:extLst>
   </p:cSld>
@@ -9258,7 +9320,7 @@
           <p:cNvPr id="2" name="Title 1">
             <a:extLst>
               <a:ext uri="{FF2B5EF4-FFF2-40B4-BE49-F238E27FC236}">
-                <a16:creationId xmlns:a16="http://schemas.microsoft.com/office/drawing/2014/main" id="{A31E238B-79DC-46FC-874A-ABD829766AFC}"/>
+                <a16:creationId xmlns:a16="http://schemas.microsoft.com/office/drawing/2014/main" id="{FAFD36D3-4DC7-4ED1-96C3-7A2E2F9E194A}"/>
               </a:ext>
             </a:extLst>
           </p:cNvPr>
@@ -9276,7 +9338,7 @@
           <a:p>
             <a:r>
               <a:rPr lang="nb-NO" dirty="0"/>
-              <a:t>Git-Hosting</a:t>
+              <a:t>Andre Git-klienter</a:t>
             </a:r>
           </a:p>
         </p:txBody>
@@ -9286,7 +9348,7 @@
           <p:cNvPr id="3" name="Content Placeholder 2">
             <a:extLst>
               <a:ext uri="{FF2B5EF4-FFF2-40B4-BE49-F238E27FC236}">
-                <a16:creationId xmlns:a16="http://schemas.microsoft.com/office/drawing/2014/main" id="{67570771-BA8F-449C-9729-AB92FB705E57}"/>
+                <a16:creationId xmlns:a16="http://schemas.microsoft.com/office/drawing/2014/main" id="{1A1C14BF-CE39-43FA-9C4F-E4EF7CF63950}"/>
               </a:ext>
             </a:extLst>
           </p:cNvPr>
@@ -9299,78 +9361,104 @@
         </p:nvSpPr>
         <p:spPr>
           <a:xfrm>
-            <a:off x="1141413" y="2666999"/>
-            <a:ext cx="9905998" cy="3124201"/>
+            <a:off x="1141413" y="2514599"/>
+            <a:ext cx="9905998" cy="4079147"/>
           </a:xfrm>
         </p:spPr>
         <p:txBody>
           <a:bodyPr>
-            <a:normAutofit fontScale="85000" lnSpcReduction="20000"/>
+            <a:normAutofit fontScale="92500" lnSpcReduction="20000"/>
           </a:bodyPr>
           <a:lstStyle/>
           <a:p>
             <a:r>
               <a:rPr lang="nb-NO" dirty="0"/>
-              <a:t>GitHub</a:t>
-            </a:r>
-          </a:p>
-          <a:p>
+              <a:t>De fleste andre IDE’er har </a:t>
+            </a:r>
+            <a:r>
+              <a:rPr lang="nb-NO" sz="2600" dirty="0"/>
+              <a:t>integrert</a:t>
+            </a:r>
             <a:r>
               <a:rPr lang="nb-NO" dirty="0"/>
-              <a:t>GitLab</a:t>
-            </a:r>
-          </a:p>
-          <a:p>
+              <a:t> støtte for Git</a:t>
+            </a:r>
+          </a:p>
+          <a:p>
+            <a:pPr lvl="1"/>
             <a:r>
               <a:rPr lang="nb-NO" dirty="0"/>
-              <a:t>BitBucket</a:t>
-            </a:r>
+              <a:t>VS Code, VS for Mac, Android Studio, Xcode, Eclipse, IntelliJ-baserte IDE’er</a:t>
+            </a:r>
+          </a:p>
+          <a:p>
+            <a:pPr marL="457200" lvl="1" indent="0">
+              <a:buNone/>
+            </a:pPr>
+            <a:endParaRPr lang="nb-NO" dirty="0"/>
           </a:p>
           <a:p>
             <a:r>
               <a:rPr lang="nb-NO" dirty="0"/>
-              <a:t>VSTS (Azure DevOps)</a:t>
-            </a:r>
-          </a:p>
-          <a:p>
+              <a:t>git – offisielt kommandolinjeverktøy (Windows, Mac og Linux)</a:t>
+            </a:r>
+          </a:p>
+          <a:p>
+            <a:r>
+              <a:rPr lang="nb-NO" dirty="0"/>
+              <a:t>git-gui – offisiell GUI-klient (Windows, Mac og Linux)</a:t>
+            </a:r>
+          </a:p>
+          <a:p>
+            <a:pPr marL="0" indent="0">
+              <a:buNone/>
+            </a:pPr>
             <a:endParaRPr lang="nb-NO" dirty="0"/>
           </a:p>
           <a:p>
             <a:r>
               <a:rPr lang="nb-NO" dirty="0"/>
-              <a:t>SaaS eller Enterprise-installasjon på egne servere</a:t>
-            </a:r>
-          </a:p>
-          <a:p>
+              <a:t>Mange tredjepartsprogrammer med GUI</a:t>
+            </a:r>
+          </a:p>
+          <a:p>
+            <a:pPr lvl="1"/>
+            <a:r>
+              <a:rPr lang="nb-NO" dirty="0"/>
+              <a:t>GitKraken (Windows, Mac, Linux) (ANBEFALES!)</a:t>
+            </a:r>
+          </a:p>
+          <a:p>
+            <a:pPr lvl="1"/>
+            <a:r>
+              <a:rPr lang="nb-NO" dirty="0"/>
+              <a:t>SourceTree (Windows, Mac)</a:t>
+            </a:r>
+          </a:p>
+          <a:p>
+            <a:pPr lvl="1"/>
+            <a:r>
+              <a:rPr lang="nb-NO" dirty="0"/>
+              <a:t>GitHub Desktop (Windows, Mac)</a:t>
+            </a:r>
+          </a:p>
+          <a:p>
+            <a:pPr lvl="1"/>
+            <a:r>
+              <a:rPr lang="nb-NO" dirty="0"/>
+              <a:t>++</a:t>
+            </a:r>
+          </a:p>
+          <a:p>
+            <a:pPr lvl="1"/>
             <a:endParaRPr lang="nb-NO" dirty="0"/>
-          </a:p>
-          <a:p>
-            <a:r>
-              <a:rPr lang="nb-NO" dirty="0"/>
-              <a:t>CI – </a:t>
-            </a:r>
-            <a:r>
-              <a:rPr lang="nb-NO" dirty="0" err="1"/>
-              <a:t>Continuous</a:t>
-            </a:r>
-            <a:r>
-              <a:rPr lang="nb-NO" dirty="0"/>
-              <a:t> Integration</a:t>
-            </a:r>
-          </a:p>
-          <a:p>
-            <a:pPr lvl="1"/>
-            <a:r>
-              <a:rPr lang="nb-NO" dirty="0"/>
-              <a:t>De fleste tjenestene har også støtte for automatisk bygging, testing og publisering av prosjekter</a:t>
-            </a:r>
           </a:p>
         </p:txBody>
       </p:sp>
     </p:spTree>
     <p:extLst>
       <p:ext uri="{BB962C8B-B14F-4D97-AF65-F5344CB8AC3E}">
-        <p14:creationId xmlns:p14="http://schemas.microsoft.com/office/powerpoint/2010/main" val="3840197391"/>
+        <p14:creationId xmlns:p14="http://schemas.microsoft.com/office/powerpoint/2010/main" val="3041288103"/>
       </p:ext>
     </p:extLst>
   </p:cSld>

--- a/git.pptx
+++ b/git.pptx
@@ -8133,7 +8133,7 @@
           <a:p>
             <a:r>
               <a:rPr lang="nb-NO" dirty="0"/>
-              <a:t>Mange andre verktøy/tjenester har integrasjoner mot gi</a:t>
+              <a:t>Mange andre verktøy/tjenester har integrasjoner mot git</a:t>
             </a:r>
           </a:p>
           <a:p>
